--- a/msmr_labs/images/pcaefa/pcafa2.pptx
+++ b/msmr_labs/images/pcaefa/pcafa2.pptx
@@ -155,7 +155,7 @@
           </a:lstStyle>
           <a:p>
             <a:r>
-              <a:rPr lang="en-US" smtClean="0"/>
+              <a:rPr lang="en-US"/>
               <a:t>Click to edit Master title style</a:t>
             </a:r>
             <a:endParaRPr lang="en-GB"/>
@@ -220,7 +220,7 @@
           </a:lstStyle>
           <a:p>
             <a:r>
-              <a:rPr lang="en-US" smtClean="0"/>
+              <a:rPr lang="en-US"/>
               <a:t>Click to edit Master subtitle style</a:t>
             </a:r>
             <a:endParaRPr lang="en-GB"/>
@@ -244,7 +244,7 @@
           <a:p>
             <a:fld id="{BAE089A4-FA25-44C7-AB07-248F6CEAFEAC}" type="datetimeFigureOut">
               <a:rPr lang="en-GB" smtClean="0"/>
-              <a:t>18/02/2021</a:t>
+              <a:t>27/02/2023</a:t>
             </a:fld>
             <a:endParaRPr lang="en-GB"/>
           </a:p>
@@ -338,7 +338,7 @@
           <a:lstStyle/>
           <a:p>
             <a:r>
-              <a:rPr lang="en-US" smtClean="0"/>
+              <a:rPr lang="en-US"/>
               <a:t>Click to edit Master title style</a:t>
             </a:r>
             <a:endParaRPr lang="en-GB"/>
@@ -362,35 +362,35 @@
           <a:p>
             <a:pPr lvl="0"/>
             <a:r>
-              <a:rPr lang="en-US" smtClean="0"/>
+              <a:rPr lang="en-US"/>
               <a:t>Edit Master text styles</a:t>
             </a:r>
           </a:p>
           <a:p>
             <a:pPr lvl="1"/>
             <a:r>
-              <a:rPr lang="en-US" smtClean="0"/>
+              <a:rPr lang="en-US"/>
               <a:t>Second level</a:t>
             </a:r>
           </a:p>
           <a:p>
             <a:pPr lvl="2"/>
             <a:r>
-              <a:rPr lang="en-US" smtClean="0"/>
+              <a:rPr lang="en-US"/>
               <a:t>Third level</a:t>
             </a:r>
           </a:p>
           <a:p>
             <a:pPr lvl="3"/>
             <a:r>
-              <a:rPr lang="en-US" smtClean="0"/>
+              <a:rPr lang="en-US"/>
               <a:t>Fourth level</a:t>
             </a:r>
           </a:p>
           <a:p>
             <a:pPr lvl="4"/>
             <a:r>
-              <a:rPr lang="en-US" smtClean="0"/>
+              <a:rPr lang="en-US"/>
               <a:t>Fifth level</a:t>
             </a:r>
             <a:endParaRPr lang="en-GB"/>
@@ -414,7 +414,7 @@
           <a:p>
             <a:fld id="{BAE089A4-FA25-44C7-AB07-248F6CEAFEAC}" type="datetimeFigureOut">
               <a:rPr lang="en-GB" smtClean="0"/>
-              <a:t>18/02/2021</a:t>
+              <a:t>27/02/2023</a:t>
             </a:fld>
             <a:endParaRPr lang="en-GB"/>
           </a:p>
@@ -513,7 +513,7 @@
           <a:lstStyle/>
           <a:p>
             <a:r>
-              <a:rPr lang="en-US" smtClean="0"/>
+              <a:rPr lang="en-US"/>
               <a:t>Click to edit Master title style</a:t>
             </a:r>
             <a:endParaRPr lang="en-GB"/>
@@ -542,35 +542,35 @@
           <a:p>
             <a:pPr lvl="0"/>
             <a:r>
-              <a:rPr lang="en-US" smtClean="0"/>
+              <a:rPr lang="en-US"/>
               <a:t>Edit Master text styles</a:t>
             </a:r>
           </a:p>
           <a:p>
             <a:pPr lvl="1"/>
             <a:r>
-              <a:rPr lang="en-US" smtClean="0"/>
+              <a:rPr lang="en-US"/>
               <a:t>Second level</a:t>
             </a:r>
           </a:p>
           <a:p>
             <a:pPr lvl="2"/>
             <a:r>
-              <a:rPr lang="en-US" smtClean="0"/>
+              <a:rPr lang="en-US"/>
               <a:t>Third level</a:t>
             </a:r>
           </a:p>
           <a:p>
             <a:pPr lvl="3"/>
             <a:r>
-              <a:rPr lang="en-US" smtClean="0"/>
+              <a:rPr lang="en-US"/>
               <a:t>Fourth level</a:t>
             </a:r>
           </a:p>
           <a:p>
             <a:pPr lvl="4"/>
             <a:r>
-              <a:rPr lang="en-US" smtClean="0"/>
+              <a:rPr lang="en-US"/>
               <a:t>Fifth level</a:t>
             </a:r>
             <a:endParaRPr lang="en-GB"/>
@@ -594,7 +594,7 @@
           <a:p>
             <a:fld id="{BAE089A4-FA25-44C7-AB07-248F6CEAFEAC}" type="datetimeFigureOut">
               <a:rPr lang="en-GB" smtClean="0"/>
-              <a:t>18/02/2021</a:t>
+              <a:t>27/02/2023</a:t>
             </a:fld>
             <a:endParaRPr lang="en-GB"/>
           </a:p>
@@ -688,7 +688,7 @@
           <a:lstStyle/>
           <a:p>
             <a:r>
-              <a:rPr lang="en-US" smtClean="0"/>
+              <a:rPr lang="en-US"/>
               <a:t>Click to edit Master title style</a:t>
             </a:r>
             <a:endParaRPr lang="en-GB"/>
@@ -712,35 +712,35 @@
           <a:p>
             <a:pPr lvl="0"/>
             <a:r>
-              <a:rPr lang="en-US" smtClean="0"/>
+              <a:rPr lang="en-US"/>
               <a:t>Edit Master text styles</a:t>
             </a:r>
           </a:p>
           <a:p>
             <a:pPr lvl="1"/>
             <a:r>
-              <a:rPr lang="en-US" smtClean="0"/>
+              <a:rPr lang="en-US"/>
               <a:t>Second level</a:t>
             </a:r>
           </a:p>
           <a:p>
             <a:pPr lvl="2"/>
             <a:r>
-              <a:rPr lang="en-US" smtClean="0"/>
+              <a:rPr lang="en-US"/>
               <a:t>Third level</a:t>
             </a:r>
           </a:p>
           <a:p>
             <a:pPr lvl="3"/>
             <a:r>
-              <a:rPr lang="en-US" smtClean="0"/>
+              <a:rPr lang="en-US"/>
               <a:t>Fourth level</a:t>
             </a:r>
           </a:p>
           <a:p>
             <a:pPr lvl="4"/>
             <a:r>
-              <a:rPr lang="en-US" smtClean="0"/>
+              <a:rPr lang="en-US"/>
               <a:t>Fifth level</a:t>
             </a:r>
             <a:endParaRPr lang="en-GB"/>
@@ -764,7 +764,7 @@
           <a:p>
             <a:fld id="{BAE089A4-FA25-44C7-AB07-248F6CEAFEAC}" type="datetimeFigureOut">
               <a:rPr lang="en-GB" smtClean="0"/>
-              <a:t>18/02/2021</a:t>
+              <a:t>27/02/2023</a:t>
             </a:fld>
             <a:endParaRPr lang="en-GB"/>
           </a:p>
@@ -867,7 +867,7 @@
           </a:lstStyle>
           <a:p>
             <a:r>
-              <a:rPr lang="en-US" smtClean="0"/>
+              <a:rPr lang="en-US"/>
               <a:t>Click to edit Master title style</a:t>
             </a:r>
             <a:endParaRPr lang="en-GB"/>
@@ -987,7 +987,7 @@
           <a:p>
             <a:pPr lvl="0"/>
             <a:r>
-              <a:rPr lang="en-US" smtClean="0"/>
+              <a:rPr lang="en-US"/>
               <a:t>Edit Master text styles</a:t>
             </a:r>
           </a:p>
@@ -1010,7 +1010,7 @@
           <a:p>
             <a:fld id="{BAE089A4-FA25-44C7-AB07-248F6CEAFEAC}" type="datetimeFigureOut">
               <a:rPr lang="en-GB" smtClean="0"/>
-              <a:t>18/02/2021</a:t>
+              <a:t>27/02/2023</a:t>
             </a:fld>
             <a:endParaRPr lang="en-GB"/>
           </a:p>
@@ -1104,7 +1104,7 @@
           <a:lstStyle/>
           <a:p>
             <a:r>
-              <a:rPr lang="en-US" smtClean="0"/>
+              <a:rPr lang="en-US"/>
               <a:t>Click to edit Master title style</a:t>
             </a:r>
             <a:endParaRPr lang="en-GB"/>
@@ -1133,35 +1133,35 @@
           <a:p>
             <a:pPr lvl="0"/>
             <a:r>
-              <a:rPr lang="en-US" smtClean="0"/>
+              <a:rPr lang="en-US"/>
               <a:t>Edit Master text styles</a:t>
             </a:r>
           </a:p>
           <a:p>
             <a:pPr lvl="1"/>
             <a:r>
-              <a:rPr lang="en-US" smtClean="0"/>
+              <a:rPr lang="en-US"/>
               <a:t>Second level</a:t>
             </a:r>
           </a:p>
           <a:p>
             <a:pPr lvl="2"/>
             <a:r>
-              <a:rPr lang="en-US" smtClean="0"/>
+              <a:rPr lang="en-US"/>
               <a:t>Third level</a:t>
             </a:r>
           </a:p>
           <a:p>
             <a:pPr lvl="3"/>
             <a:r>
-              <a:rPr lang="en-US" smtClean="0"/>
+              <a:rPr lang="en-US"/>
               <a:t>Fourth level</a:t>
             </a:r>
           </a:p>
           <a:p>
             <a:pPr lvl="4"/>
             <a:r>
-              <a:rPr lang="en-US" smtClean="0"/>
+              <a:rPr lang="en-US"/>
               <a:t>Fifth level</a:t>
             </a:r>
             <a:endParaRPr lang="en-GB"/>
@@ -1190,35 +1190,35 @@
           <a:p>
             <a:pPr lvl="0"/>
             <a:r>
-              <a:rPr lang="en-US" smtClean="0"/>
+              <a:rPr lang="en-US"/>
               <a:t>Edit Master text styles</a:t>
             </a:r>
           </a:p>
           <a:p>
             <a:pPr lvl="1"/>
             <a:r>
-              <a:rPr lang="en-US" smtClean="0"/>
+              <a:rPr lang="en-US"/>
               <a:t>Second level</a:t>
             </a:r>
           </a:p>
           <a:p>
             <a:pPr lvl="2"/>
             <a:r>
-              <a:rPr lang="en-US" smtClean="0"/>
+              <a:rPr lang="en-US"/>
               <a:t>Third level</a:t>
             </a:r>
           </a:p>
           <a:p>
             <a:pPr lvl="3"/>
             <a:r>
-              <a:rPr lang="en-US" smtClean="0"/>
+              <a:rPr lang="en-US"/>
               <a:t>Fourth level</a:t>
             </a:r>
           </a:p>
           <a:p>
             <a:pPr lvl="4"/>
             <a:r>
-              <a:rPr lang="en-US" smtClean="0"/>
+              <a:rPr lang="en-US"/>
               <a:t>Fifth level</a:t>
             </a:r>
             <a:endParaRPr lang="en-GB"/>
@@ -1242,7 +1242,7 @@
           <a:p>
             <a:fld id="{BAE089A4-FA25-44C7-AB07-248F6CEAFEAC}" type="datetimeFigureOut">
               <a:rPr lang="en-GB" smtClean="0"/>
-              <a:t>18/02/2021</a:t>
+              <a:t>27/02/2023</a:t>
             </a:fld>
             <a:endParaRPr lang="en-GB"/>
           </a:p>
@@ -1341,7 +1341,7 @@
           <a:lstStyle/>
           <a:p>
             <a:r>
-              <a:rPr lang="en-US" smtClean="0"/>
+              <a:rPr lang="en-US"/>
               <a:t>Click to edit Master title style</a:t>
             </a:r>
             <a:endParaRPr lang="en-GB"/>
@@ -1407,7 +1407,7 @@
           <a:p>
             <a:pPr lvl="0"/>
             <a:r>
-              <a:rPr lang="en-US" smtClean="0"/>
+              <a:rPr lang="en-US"/>
               <a:t>Edit Master text styles</a:t>
             </a:r>
           </a:p>
@@ -1435,35 +1435,35 @@
           <a:p>
             <a:pPr lvl="0"/>
             <a:r>
-              <a:rPr lang="en-US" smtClean="0"/>
+              <a:rPr lang="en-US"/>
               <a:t>Edit Master text styles</a:t>
             </a:r>
           </a:p>
           <a:p>
             <a:pPr lvl="1"/>
             <a:r>
-              <a:rPr lang="en-US" smtClean="0"/>
+              <a:rPr lang="en-US"/>
               <a:t>Second level</a:t>
             </a:r>
           </a:p>
           <a:p>
             <a:pPr lvl="2"/>
             <a:r>
-              <a:rPr lang="en-US" smtClean="0"/>
+              <a:rPr lang="en-US"/>
               <a:t>Third level</a:t>
             </a:r>
           </a:p>
           <a:p>
             <a:pPr lvl="3"/>
             <a:r>
-              <a:rPr lang="en-US" smtClean="0"/>
+              <a:rPr lang="en-US"/>
               <a:t>Fourth level</a:t>
             </a:r>
           </a:p>
           <a:p>
             <a:pPr lvl="4"/>
             <a:r>
-              <a:rPr lang="en-US" smtClean="0"/>
+              <a:rPr lang="en-US"/>
               <a:t>Fifth level</a:t>
             </a:r>
             <a:endParaRPr lang="en-GB"/>
@@ -1529,7 +1529,7 @@
           <a:p>
             <a:pPr lvl="0"/>
             <a:r>
-              <a:rPr lang="en-US" smtClean="0"/>
+              <a:rPr lang="en-US"/>
               <a:t>Edit Master text styles</a:t>
             </a:r>
           </a:p>
@@ -1557,35 +1557,35 @@
           <a:p>
             <a:pPr lvl="0"/>
             <a:r>
-              <a:rPr lang="en-US" smtClean="0"/>
+              <a:rPr lang="en-US"/>
               <a:t>Edit Master text styles</a:t>
             </a:r>
           </a:p>
           <a:p>
             <a:pPr lvl="1"/>
             <a:r>
-              <a:rPr lang="en-US" smtClean="0"/>
+              <a:rPr lang="en-US"/>
               <a:t>Second level</a:t>
             </a:r>
           </a:p>
           <a:p>
             <a:pPr lvl="2"/>
             <a:r>
-              <a:rPr lang="en-US" smtClean="0"/>
+              <a:rPr lang="en-US"/>
               <a:t>Third level</a:t>
             </a:r>
           </a:p>
           <a:p>
             <a:pPr lvl="3"/>
             <a:r>
-              <a:rPr lang="en-US" smtClean="0"/>
+              <a:rPr lang="en-US"/>
               <a:t>Fourth level</a:t>
             </a:r>
           </a:p>
           <a:p>
             <a:pPr lvl="4"/>
             <a:r>
-              <a:rPr lang="en-US" smtClean="0"/>
+              <a:rPr lang="en-US"/>
               <a:t>Fifth level</a:t>
             </a:r>
             <a:endParaRPr lang="en-GB"/>
@@ -1609,7 +1609,7 @@
           <a:p>
             <a:fld id="{BAE089A4-FA25-44C7-AB07-248F6CEAFEAC}" type="datetimeFigureOut">
               <a:rPr lang="en-GB" smtClean="0"/>
-              <a:t>18/02/2021</a:t>
+              <a:t>27/02/2023</a:t>
             </a:fld>
             <a:endParaRPr lang="en-GB"/>
           </a:p>
@@ -1703,7 +1703,7 @@
           <a:lstStyle/>
           <a:p>
             <a:r>
-              <a:rPr lang="en-US" smtClean="0"/>
+              <a:rPr lang="en-US"/>
               <a:t>Click to edit Master title style</a:t>
             </a:r>
             <a:endParaRPr lang="en-GB"/>
@@ -1727,7 +1727,7 @@
           <a:p>
             <a:fld id="{BAE089A4-FA25-44C7-AB07-248F6CEAFEAC}" type="datetimeFigureOut">
               <a:rPr lang="en-GB" smtClean="0"/>
-              <a:t>18/02/2021</a:t>
+              <a:t>27/02/2023</a:t>
             </a:fld>
             <a:endParaRPr lang="en-GB"/>
           </a:p>
@@ -1822,7 +1822,7 @@
           <a:p>
             <a:fld id="{BAE089A4-FA25-44C7-AB07-248F6CEAFEAC}" type="datetimeFigureOut">
               <a:rPr lang="en-GB" smtClean="0"/>
-              <a:t>18/02/2021</a:t>
+              <a:t>27/02/2023</a:t>
             </a:fld>
             <a:endParaRPr lang="en-GB"/>
           </a:p>
@@ -1925,7 +1925,7 @@
           </a:lstStyle>
           <a:p>
             <a:r>
-              <a:rPr lang="en-US" smtClean="0"/>
+              <a:rPr lang="en-US"/>
               <a:t>Click to edit Master title style</a:t>
             </a:r>
             <a:endParaRPr lang="en-GB"/>
@@ -1982,35 +1982,35 @@
           <a:p>
             <a:pPr lvl="0"/>
             <a:r>
-              <a:rPr lang="en-US" smtClean="0"/>
+              <a:rPr lang="en-US"/>
               <a:t>Edit Master text styles</a:t>
             </a:r>
           </a:p>
           <a:p>
             <a:pPr lvl="1"/>
             <a:r>
-              <a:rPr lang="en-US" smtClean="0"/>
+              <a:rPr lang="en-US"/>
               <a:t>Second level</a:t>
             </a:r>
           </a:p>
           <a:p>
             <a:pPr lvl="2"/>
             <a:r>
-              <a:rPr lang="en-US" smtClean="0"/>
+              <a:rPr lang="en-US"/>
               <a:t>Third level</a:t>
             </a:r>
           </a:p>
           <a:p>
             <a:pPr lvl="3"/>
             <a:r>
-              <a:rPr lang="en-US" smtClean="0"/>
+              <a:rPr lang="en-US"/>
               <a:t>Fourth level</a:t>
             </a:r>
           </a:p>
           <a:p>
             <a:pPr lvl="4"/>
             <a:r>
-              <a:rPr lang="en-US" smtClean="0"/>
+              <a:rPr lang="en-US"/>
               <a:t>Fifth level</a:t>
             </a:r>
             <a:endParaRPr lang="en-GB"/>
@@ -2076,7 +2076,7 @@
           <a:p>
             <a:pPr lvl="0"/>
             <a:r>
-              <a:rPr lang="en-US" smtClean="0"/>
+              <a:rPr lang="en-US"/>
               <a:t>Edit Master text styles</a:t>
             </a:r>
           </a:p>
@@ -2099,7 +2099,7 @@
           <a:p>
             <a:fld id="{BAE089A4-FA25-44C7-AB07-248F6CEAFEAC}" type="datetimeFigureOut">
               <a:rPr lang="en-GB" smtClean="0"/>
-              <a:t>18/02/2021</a:t>
+              <a:t>27/02/2023</a:t>
             </a:fld>
             <a:endParaRPr lang="en-GB"/>
           </a:p>
@@ -2202,7 +2202,7 @@
           </a:lstStyle>
           <a:p>
             <a:r>
-              <a:rPr lang="en-US" smtClean="0"/>
+              <a:rPr lang="en-US"/>
               <a:t>Click to edit Master title style</a:t>
             </a:r>
             <a:endParaRPr lang="en-GB"/>
@@ -2329,7 +2329,7 @@
           <a:p>
             <a:pPr lvl="0"/>
             <a:r>
-              <a:rPr lang="en-US" smtClean="0"/>
+              <a:rPr lang="en-US"/>
               <a:t>Edit Master text styles</a:t>
             </a:r>
           </a:p>
@@ -2352,7 +2352,7 @@
           <a:p>
             <a:fld id="{BAE089A4-FA25-44C7-AB07-248F6CEAFEAC}" type="datetimeFigureOut">
               <a:rPr lang="en-GB" smtClean="0"/>
-              <a:t>18/02/2021</a:t>
+              <a:t>27/02/2023</a:t>
             </a:fld>
             <a:endParaRPr lang="en-GB"/>
           </a:p>
@@ -2461,7 +2461,7 @@
           <a:lstStyle/>
           <a:p>
             <a:r>
-              <a:rPr lang="en-US" smtClean="0"/>
+              <a:rPr lang="en-US"/>
               <a:t>Click to edit Master title style</a:t>
             </a:r>
             <a:endParaRPr lang="en-GB"/>
@@ -2495,35 +2495,35 @@
           <a:p>
             <a:pPr lvl="0"/>
             <a:r>
-              <a:rPr lang="en-US" smtClean="0"/>
+              <a:rPr lang="en-US"/>
               <a:t>Edit Master text styles</a:t>
             </a:r>
           </a:p>
           <a:p>
             <a:pPr lvl="1"/>
             <a:r>
-              <a:rPr lang="en-US" smtClean="0"/>
+              <a:rPr lang="en-US"/>
               <a:t>Second level</a:t>
             </a:r>
           </a:p>
           <a:p>
             <a:pPr lvl="2"/>
             <a:r>
-              <a:rPr lang="en-US" smtClean="0"/>
+              <a:rPr lang="en-US"/>
               <a:t>Third level</a:t>
             </a:r>
           </a:p>
           <a:p>
             <a:pPr lvl="3"/>
             <a:r>
-              <a:rPr lang="en-US" smtClean="0"/>
+              <a:rPr lang="en-US"/>
               <a:t>Fourth level</a:t>
             </a:r>
           </a:p>
           <a:p>
             <a:pPr lvl="4"/>
             <a:r>
-              <a:rPr lang="en-US" smtClean="0"/>
+              <a:rPr lang="en-US"/>
               <a:t>Fifth level</a:t>
             </a:r>
             <a:endParaRPr lang="en-GB"/>
@@ -2565,7 +2565,7 @@
           <a:p>
             <a:fld id="{BAE089A4-FA25-44C7-AB07-248F6CEAFEAC}" type="datetimeFigureOut">
               <a:rPr lang="en-GB" smtClean="0"/>
-              <a:t>18/02/2021</a:t>
+              <a:t>27/02/2023</a:t>
             </a:fld>
             <a:endParaRPr lang="en-GB"/>
           </a:p>
@@ -4001,10 +4001,9 @@
           <a:lstStyle/>
           <a:p>
             <a:r>
-              <a:rPr lang="en-GB" dirty="0" smtClean="0"/>
+              <a:rPr lang="en-GB" dirty="0"/>
               <a:t>Principal Components Analysis (PCA)</a:t>
             </a:r>
-            <a:endParaRPr lang="en-GB" dirty="0"/>
           </a:p>
         </p:txBody>
       </p:sp>
@@ -5187,8 +5186,8 @@
             </p:sp>
           </mc:Fallback>
         </mc:AlternateContent>
-        <mc:AlternateContent xmlns:mc="http://schemas.openxmlformats.org/markup-compatibility/2006">
-          <mc:Choice xmlns:a14="http://schemas.microsoft.com/office/drawing/2010/main" Requires="a14">
+        <mc:AlternateContent xmlns:mc="http://schemas.openxmlformats.org/markup-compatibility/2006" xmlns:a14="http://schemas.microsoft.com/office/drawing/2010/main">
+          <mc:Choice Requires="a14">
             <p:sp>
               <p:nvSpPr>
                 <p:cNvPr id="89" name="Oval 88"/>
@@ -5270,7 +5269,7 @@
               </p:txBody>
             </p:sp>
           </mc:Choice>
-          <mc:Fallback>
+          <mc:Fallback xmlns="">
             <p:sp>
               <p:nvSpPr>
                 <p:cNvPr id="89" name="Oval 88"/>
@@ -5309,8 +5308,8 @@
             </p:sp>
           </mc:Fallback>
         </mc:AlternateContent>
-        <mc:AlternateContent xmlns:mc="http://schemas.openxmlformats.org/markup-compatibility/2006">
-          <mc:Choice xmlns:a14="http://schemas.microsoft.com/office/drawing/2010/main" Requires="a14">
+        <mc:AlternateContent xmlns:mc="http://schemas.openxmlformats.org/markup-compatibility/2006" xmlns:a14="http://schemas.microsoft.com/office/drawing/2010/main">
+          <mc:Choice Requires="a14">
             <p:sp>
               <p:nvSpPr>
                 <p:cNvPr id="90" name="Oval 89"/>
@@ -5392,7 +5391,7 @@
               </p:txBody>
             </p:sp>
           </mc:Choice>
-          <mc:Fallback>
+          <mc:Fallback xmlns="">
             <p:sp>
               <p:nvSpPr>
                 <p:cNvPr id="90" name="Oval 89"/>
@@ -5431,8 +5430,8 @@
             </p:sp>
           </mc:Fallback>
         </mc:AlternateContent>
-        <mc:AlternateContent xmlns:mc="http://schemas.openxmlformats.org/markup-compatibility/2006">
-          <mc:Choice xmlns:a14="http://schemas.microsoft.com/office/drawing/2010/main" Requires="a14">
+        <mc:AlternateContent xmlns:mc="http://schemas.openxmlformats.org/markup-compatibility/2006" xmlns:a14="http://schemas.microsoft.com/office/drawing/2010/main">
+          <mc:Choice Requires="a14">
             <p:sp>
               <p:nvSpPr>
                 <p:cNvPr id="91" name="Oval 90"/>
@@ -5514,7 +5513,7 @@
               </p:txBody>
             </p:sp>
           </mc:Choice>
-          <mc:Fallback>
+          <mc:Fallback xmlns="">
             <p:sp>
               <p:nvSpPr>
                 <p:cNvPr id="91" name="Oval 90"/>
@@ -5732,10 +5731,9 @@
             <a:lstStyle/>
             <a:p>
               <a:r>
-                <a:rPr lang="en-GB" dirty="0" smtClean="0"/>
+                <a:rPr lang="en-GB" dirty="0"/>
                 <a:t>Exploratory Factor Analysis (EFA)</a:t>
               </a:r>
-              <a:endParaRPr lang="en-GB" dirty="0"/>
             </a:p>
           </p:txBody>
         </p:sp>
@@ -5924,7 +5922,7 @@
                   </m:oMath>
                 </a14:m>
                 <a:r>
-                  <a:rPr lang="en-GB" dirty="0" smtClean="0"/>
+                  <a:rPr lang="en-GB" dirty="0"/>
                   <a:t> </a:t>
                 </a:r>
                 <a14:m>
@@ -6049,10 +6047,10 @@
                     </m:sSub>
                   </m:oMath>
                 </a14:m>
-                <a:endParaRPr lang="en-GB" b="0" dirty="0" smtClean="0"/>
+                <a:endParaRPr lang="en-GB" b="0" dirty="0"/>
               </a:p>
               <a:p>
-                <a:endParaRPr lang="en-GB" i="1" dirty="0" smtClean="0">
+                <a:endParaRPr lang="en-GB" i="1" dirty="0">
                   <a:latin typeface="Cambria Math" panose="02040503050406030204" pitchFamily="18" charset="0"/>
                 </a:endParaRPr>
               </a:p>
@@ -6217,7 +6215,7 @@
                   </m:oMath>
                 </a14:m>
                 <a:r>
-                  <a:rPr lang="en-GB" dirty="0" smtClean="0"/>
+                  <a:rPr lang="en-GB" dirty="0"/>
                   <a:t> </a:t>
                 </a:r>
                 <a14:m>
@@ -6600,7 +6598,7 @@
                     </m:oMath>
                   </m:oMathPara>
                 </a14:m>
-                <a:endParaRPr lang="en-GB" b="0" dirty="0" smtClean="0"/>
+                <a:endParaRPr lang="en-GB" b="0" dirty="0"/>
               </a:p>
               <a:p>
                 <a:pPr/>
@@ -6628,10 +6626,10 @@
                         </m:e>
                         <m:sub>
                           <m:r>
-                            <a:rPr lang="en-GB" b="0" i="1" smtClean="0">
-                              <a:latin typeface="Cambria Math" panose="02040503050406030204" pitchFamily="18" charset="0"/>
-                            </a:rPr>
-                            <m:t>1</m:t>
+                            <a:rPr lang="en-US" b="0" i="1" smtClean="0">
+                              <a:latin typeface="Cambria Math" panose="02040503050406030204" pitchFamily="18" charset="0"/>
+                            </a:rPr>
+                            <m:t>2</m:t>
                           </m:r>
                         </m:sub>
                       </m:sSub>
@@ -6821,10 +6819,10 @@
                         </m:e>
                         <m:sub>
                           <m:r>
-                            <a:rPr lang="en-GB" b="0" i="1" smtClean="0">
-                              <a:latin typeface="Cambria Math" panose="02040503050406030204" pitchFamily="18" charset="0"/>
-                            </a:rPr>
-                            <m:t>1</m:t>
+                            <a:rPr lang="en-US" b="0" i="1" smtClean="0">
+                              <a:latin typeface="Cambria Math" panose="02040503050406030204" pitchFamily="18" charset="0"/>
+                            </a:rPr>
+                            <m:t>3</m:t>
                           </m:r>
                         </m:sub>
                       </m:sSub>
@@ -7014,10 +7012,10 @@
                         </m:e>
                         <m:sub>
                           <m:r>
-                            <a:rPr lang="en-GB" b="0" i="1" smtClean="0">
-                              <a:latin typeface="Cambria Math" panose="02040503050406030204" pitchFamily="18" charset="0"/>
-                            </a:rPr>
-                            <m:t>1</m:t>
+                            <a:rPr lang="en-US" b="0" i="1" smtClean="0">
+                              <a:latin typeface="Cambria Math" panose="02040503050406030204" pitchFamily="18" charset="0"/>
+                            </a:rPr>
+                            <m:t>4</m:t>
                           </m:r>
                         </m:sub>
                       </m:sSub>
@@ -7204,7 +7202,7 @@
               <a:blipFill>
                 <a:blip r:embed="rId19"/>
                 <a:stretch>
-                  <a:fillRect l="-630" b="-6077"/>
+                  <a:fillRect l="-870" t="-1136" b="-9091"/>
                 </a:stretch>
               </a:blipFill>
             </p:spPr>
@@ -7213,7 +7211,7 @@
               <a:lstStyle/>
               <a:p>
                 <a:r>
-                  <a:rPr lang="en-GB">
+                  <a:rPr lang="en-US">
                     <a:noFill/>
                   </a:rPr>
                   <a:t> </a:t>
@@ -7233,13 +7231,6 @@
   <p:clrMapOvr>
     <a:masterClrMapping/>
   </p:clrMapOvr>
-  <p:timing>
-    <p:tnLst>
-      <p:par>
-        <p:cTn id="1" dur="indefinite" restart="never" nodeType="tmRoot"/>
-      </p:par>
-    </p:tnLst>
-  </p:timing>
 </p:sld>
 </file>
 
@@ -8295,8 +8286,8 @@
             </p:sp>
           </mc:Fallback>
         </mc:AlternateContent>
-        <mc:AlternateContent xmlns:mc="http://schemas.openxmlformats.org/markup-compatibility/2006">
-          <mc:Choice xmlns:a14="http://schemas.microsoft.com/office/drawing/2010/main" Requires="a14">
+        <mc:AlternateContent xmlns:mc="http://schemas.openxmlformats.org/markup-compatibility/2006" xmlns:a14="http://schemas.microsoft.com/office/drawing/2010/main">
+          <mc:Choice Requires="a14">
             <p:sp>
               <p:nvSpPr>
                 <p:cNvPr id="89" name="Oval 88"/>
@@ -8378,7 +8369,7 @@
               </p:txBody>
             </p:sp>
           </mc:Choice>
-          <mc:Fallback>
+          <mc:Fallback xmlns="">
             <p:sp>
               <p:nvSpPr>
                 <p:cNvPr id="89" name="Oval 88"/>
@@ -8417,8 +8408,8 @@
             </p:sp>
           </mc:Fallback>
         </mc:AlternateContent>
-        <mc:AlternateContent xmlns:mc="http://schemas.openxmlformats.org/markup-compatibility/2006">
-          <mc:Choice xmlns:a14="http://schemas.microsoft.com/office/drawing/2010/main" Requires="a14">
+        <mc:AlternateContent xmlns:mc="http://schemas.openxmlformats.org/markup-compatibility/2006" xmlns:a14="http://schemas.microsoft.com/office/drawing/2010/main">
+          <mc:Choice Requires="a14">
             <p:sp>
               <p:nvSpPr>
                 <p:cNvPr id="90" name="Oval 89"/>
@@ -8500,7 +8491,7 @@
               </p:txBody>
             </p:sp>
           </mc:Choice>
-          <mc:Fallback>
+          <mc:Fallback xmlns="">
             <p:sp>
               <p:nvSpPr>
                 <p:cNvPr id="90" name="Oval 89"/>
@@ -8539,8 +8530,8 @@
             </p:sp>
           </mc:Fallback>
         </mc:AlternateContent>
-        <mc:AlternateContent xmlns:mc="http://schemas.openxmlformats.org/markup-compatibility/2006">
-          <mc:Choice xmlns:a14="http://schemas.microsoft.com/office/drawing/2010/main" Requires="a14">
+        <mc:AlternateContent xmlns:mc="http://schemas.openxmlformats.org/markup-compatibility/2006" xmlns:a14="http://schemas.microsoft.com/office/drawing/2010/main">
+          <mc:Choice Requires="a14">
             <p:sp>
               <p:nvSpPr>
                 <p:cNvPr id="91" name="Oval 90"/>
@@ -8622,7 +8613,7 @@
               </p:txBody>
             </p:sp>
           </mc:Choice>
-          <mc:Fallback>
+          <mc:Fallback xmlns="">
             <p:sp>
               <p:nvSpPr>
                 <p:cNvPr id="91" name="Oval 90"/>
@@ -8840,10 +8831,9 @@
             <a:lstStyle/>
             <a:p>
               <a:r>
-                <a:rPr lang="en-GB" dirty="0" smtClean="0"/>
+                <a:rPr lang="en-GB" dirty="0"/>
                 <a:t>Exploratory Factor Analysis (rotated)</a:t>
               </a:r>
-              <a:endParaRPr lang="en-GB" dirty="0"/>
             </a:p>
           </p:txBody>
         </p:sp>
@@ -8873,8 +8863,8 @@
             </a:p>
           </p:txBody>
         </p:sp>
-        <mc:AlternateContent xmlns:mc="http://schemas.openxmlformats.org/markup-compatibility/2006" xmlns:a14="http://schemas.microsoft.com/office/drawing/2010/main">
-          <mc:Choice Requires="a14">
+        <mc:AlternateContent xmlns:mc="http://schemas.openxmlformats.org/markup-compatibility/2006">
+          <mc:Choice xmlns:a14="http://schemas.microsoft.com/office/drawing/2010/main" Requires="a14">
             <p:sp>
               <p:nvSpPr>
                 <p:cNvPr id="116" name="TextBox 115"/>
@@ -9127,7 +9117,7 @@
                       </m:oMath>
                     </m:oMathPara>
                   </a14:m>
-                  <a:endParaRPr lang="en-GB" b="0" dirty="0" smtClean="0"/>
+                  <a:endParaRPr lang="en-GB" b="0" dirty="0"/>
                 </a:p>
                 <a:p>
                   <a:pPr/>
@@ -9155,10 +9145,10 @@
                           </m:e>
                           <m:sub>
                             <m:r>
-                              <a:rPr lang="en-GB" b="0" i="1" smtClean="0">
-                                <a:latin typeface="Cambria Math" panose="02040503050406030204" pitchFamily="18" charset="0"/>
-                              </a:rPr>
-                              <m:t>1</m:t>
+                              <a:rPr lang="en-US" b="0" i="1" smtClean="0">
+                                <a:latin typeface="Cambria Math" panose="02040503050406030204" pitchFamily="18" charset="0"/>
+                              </a:rPr>
+                              <m:t>2</m:t>
                             </m:r>
                           </m:sub>
                         </m:sSub>
@@ -9388,10 +9378,10 @@
                           </m:e>
                           <m:sub>
                             <m:r>
-                              <a:rPr lang="en-GB" b="0" i="1" smtClean="0">
-                                <a:latin typeface="Cambria Math" panose="02040503050406030204" pitchFamily="18" charset="0"/>
-                              </a:rPr>
-                              <m:t>1</m:t>
+                              <a:rPr lang="en-US" b="0" i="1" smtClean="0">
+                                <a:latin typeface="Cambria Math" panose="02040503050406030204" pitchFamily="18" charset="0"/>
+                              </a:rPr>
+                              <m:t>3</m:t>
                             </m:r>
                           </m:sub>
                         </m:sSub>
@@ -9621,10 +9611,10 @@
                           </m:e>
                           <m:sub>
                             <m:r>
-                              <a:rPr lang="en-GB" b="0" i="1" smtClean="0">
-                                <a:latin typeface="Cambria Math" panose="02040503050406030204" pitchFamily="18" charset="0"/>
-                              </a:rPr>
-                              <m:t>1</m:t>
+                              <a:rPr lang="en-US" b="0" i="1" smtClean="0">
+                                <a:latin typeface="Cambria Math" panose="02040503050406030204" pitchFamily="18" charset="0"/>
+                              </a:rPr>
+                              <m:t>4</m:t>
                             </m:r>
                           </m:sub>
                         </m:sSub>
@@ -9831,7 +9821,7 @@
               </p:txBody>
             </p:sp>
           </mc:Choice>
-          <mc:Fallback xmlns="">
+          <mc:Fallback>
             <p:sp>
               <p:nvSpPr>
                 <p:cNvPr id="116" name="TextBox 115"/>
@@ -9851,7 +9841,7 @@
                 <a:blipFill>
                   <a:blip r:embed="rId12"/>
                   <a:stretch>
-                    <a:fillRect l="-630" b="-5495"/>
+                    <a:fillRect l="-435" t="-2273" b="-9091"/>
                   </a:stretch>
                 </a:blipFill>
               </p:spPr>
@@ -9860,7 +9850,7 @@
                 <a:lstStyle/>
                 <a:p>
                   <a:r>
-                    <a:rPr lang="en-GB">
+                    <a:rPr lang="en-US">
                       <a:noFill/>
                     </a:rPr>
                     <a:t> </a:t>
@@ -10881,8 +10871,8 @@
           </p:sp>
         </mc:Fallback>
       </mc:AlternateContent>
-      <mc:AlternateContent xmlns:mc="http://schemas.openxmlformats.org/markup-compatibility/2006">
-        <mc:Choice xmlns:a14="http://schemas.microsoft.com/office/drawing/2010/main" Requires="a14">
+      <mc:AlternateContent xmlns:mc="http://schemas.openxmlformats.org/markup-compatibility/2006" xmlns:a14="http://schemas.microsoft.com/office/drawing/2010/main">
+        <mc:Choice Requires="a14">
           <p:sp>
             <p:nvSpPr>
               <p:cNvPr id="132" name="Oval 131"/>
@@ -10964,7 +10954,7 @@
             </p:txBody>
           </p:sp>
         </mc:Choice>
-        <mc:Fallback>
+        <mc:Fallback xmlns="">
           <p:sp>
             <p:nvSpPr>
               <p:cNvPr id="132" name="Oval 131"/>
@@ -11003,8 +10993,8 @@
           </p:sp>
         </mc:Fallback>
       </mc:AlternateContent>
-      <mc:AlternateContent xmlns:mc="http://schemas.openxmlformats.org/markup-compatibility/2006">
-        <mc:Choice xmlns:a14="http://schemas.microsoft.com/office/drawing/2010/main" Requires="a14">
+      <mc:AlternateContent xmlns:mc="http://schemas.openxmlformats.org/markup-compatibility/2006" xmlns:a14="http://schemas.microsoft.com/office/drawing/2010/main">
+        <mc:Choice Requires="a14">
           <p:sp>
             <p:nvSpPr>
               <p:cNvPr id="133" name="Oval 132"/>
@@ -11086,7 +11076,7 @@
             </p:txBody>
           </p:sp>
         </mc:Choice>
-        <mc:Fallback>
+        <mc:Fallback xmlns="">
           <p:sp>
             <p:nvSpPr>
               <p:cNvPr id="133" name="Oval 132"/>
@@ -11125,8 +11115,8 @@
           </p:sp>
         </mc:Fallback>
       </mc:AlternateContent>
-      <mc:AlternateContent xmlns:mc="http://schemas.openxmlformats.org/markup-compatibility/2006">
-        <mc:Choice xmlns:a14="http://schemas.microsoft.com/office/drawing/2010/main" Requires="a14">
+      <mc:AlternateContent xmlns:mc="http://schemas.openxmlformats.org/markup-compatibility/2006" xmlns:a14="http://schemas.microsoft.com/office/drawing/2010/main">
+        <mc:Choice Requires="a14">
           <p:sp>
             <p:nvSpPr>
               <p:cNvPr id="134" name="Oval 133"/>
@@ -11208,7 +11198,7 @@
             </p:txBody>
           </p:sp>
         </mc:Choice>
-        <mc:Fallback>
+        <mc:Fallback xmlns="">
           <p:sp>
             <p:nvSpPr>
               <p:cNvPr id="134" name="Oval 133"/>
@@ -11426,10 +11416,9 @@
           <a:lstStyle/>
           <a:p>
             <a:r>
-              <a:rPr lang="en-GB" dirty="0" smtClean="0"/>
+              <a:rPr lang="en-GB" dirty="0"/>
               <a:t>Confirmatory Factor Analysis (CFA)</a:t>
             </a:r>
-            <a:endParaRPr lang="en-GB" dirty="0"/>
           </a:p>
         </p:txBody>
       </p:sp>
@@ -11459,8 +11448,8 @@
           </a:p>
         </p:txBody>
       </p:sp>
-      <mc:AlternateContent xmlns:mc="http://schemas.openxmlformats.org/markup-compatibility/2006" xmlns:a14="http://schemas.microsoft.com/office/drawing/2010/main">
-        <mc:Choice Requires="a14">
+      <mc:AlternateContent xmlns:mc="http://schemas.openxmlformats.org/markup-compatibility/2006">
+        <mc:Choice xmlns:a14="http://schemas.microsoft.com/office/drawing/2010/main" Requires="a14">
           <p:sp>
             <p:nvSpPr>
               <p:cNvPr id="141" name="TextBox 140"/>
@@ -11470,7 +11459,7 @@
             <p:spPr>
               <a:xfrm>
                 <a:off x="6389913" y="4336642"/>
-                <a:ext cx="1863331" cy="1107996"/>
+                <a:ext cx="1922706" cy="1107996"/>
               </a:xfrm>
               <a:prstGeom prst="rect">
                 <a:avLst/>
@@ -11611,7 +11600,7 @@
                     </m:oMath>
                   </m:oMathPara>
                 </a14:m>
-                <a:endParaRPr lang="en-GB" b="0" dirty="0" smtClean="0"/>
+                <a:endParaRPr lang="en-GB" b="0" dirty="0"/>
               </a:p>
               <a:p>
                 <a:pPr/>
@@ -11639,10 +11628,10 @@
                         </m:e>
                         <m:sub>
                           <m:r>
-                            <a:rPr lang="en-GB" b="0" i="1" smtClean="0">
-                              <a:latin typeface="Cambria Math" panose="02040503050406030204" pitchFamily="18" charset="0"/>
-                            </a:rPr>
-                            <m:t>1</m:t>
+                            <a:rPr lang="en-US" b="0" i="1" smtClean="0">
+                              <a:latin typeface="Cambria Math" panose="02040503050406030204" pitchFamily="18" charset="0"/>
+                            </a:rPr>
+                            <m:t>2</m:t>
                           </m:r>
                         </m:sub>
                       </m:sSub>
@@ -11770,10 +11759,10 @@
                         </m:e>
                         <m:sub>
                           <m:r>
-                            <a:rPr lang="en-GB" b="0" i="1" smtClean="0">
-                              <a:latin typeface="Cambria Math" panose="02040503050406030204" pitchFamily="18" charset="0"/>
-                            </a:rPr>
-                            <m:t>1</m:t>
+                            <a:rPr lang="en-US" b="0" i="1" smtClean="0">
+                              <a:latin typeface="Cambria Math" panose="02040503050406030204" pitchFamily="18" charset="0"/>
+                            </a:rPr>
+                            <m:t>3</m:t>
                           </m:r>
                         </m:sub>
                       </m:sSub>
@@ -11901,10 +11890,10 @@
                         </m:e>
                         <m:sub>
                           <m:r>
-                            <a:rPr lang="en-GB" b="0" i="1" smtClean="0">
-                              <a:latin typeface="Cambria Math" panose="02040503050406030204" pitchFamily="18" charset="0"/>
-                            </a:rPr>
-                            <m:t>1</m:t>
+                            <a:rPr lang="en-US" b="0" i="1" smtClean="0">
+                              <a:latin typeface="Cambria Math" panose="02040503050406030204" pitchFamily="18" charset="0"/>
+                            </a:rPr>
+                            <m:t>4</m:t>
                           </m:r>
                         </m:sub>
                       </m:sSub>
@@ -12009,7 +11998,7 @@
             </p:txBody>
           </p:sp>
         </mc:Choice>
-        <mc:Fallback xmlns="">
+        <mc:Fallback>
           <p:sp>
             <p:nvSpPr>
               <p:cNvPr id="141" name="TextBox 140"/>
@@ -12021,7 +12010,7 @@
             <p:spPr>
               <a:xfrm>
                 <a:off x="6389913" y="4336642"/>
-                <a:ext cx="1863331" cy="1107996"/>
+                <a:ext cx="1922706" cy="1107996"/>
               </a:xfrm>
               <a:prstGeom prst="rect">
                 <a:avLst/>
@@ -12029,7 +12018,7 @@
               <a:blipFill>
                 <a:blip r:embed="rId23"/>
                 <a:stretch>
-                  <a:fillRect l="-2614" r="-980" b="-5495"/>
+                  <a:fillRect l="-1316" t="-2273" b="-9091"/>
                 </a:stretch>
               </a:blipFill>
             </p:spPr>
@@ -12038,7 +12027,7 @@
               <a:lstStyle/>
               <a:p>
                 <a:r>
-                  <a:rPr lang="en-GB">
+                  <a:rPr lang="en-US">
                     <a:noFill/>
                   </a:rPr>
                   <a:t> </a:t>
@@ -12298,13 +12287,6 @@
   <p:clrMapOvr>
     <a:masterClrMapping/>
   </p:clrMapOvr>
-  <p:timing>
-    <p:tnLst>
-      <p:par>
-        <p:cTn id="1" dur="indefinite" restart="never" nodeType="tmRoot"/>
-      </p:par>
-    </p:tnLst>
-  </p:timing>
 </p:sld>
 </file>
 

--- a/msmr_labs/images/pcaefa/pcafa2.pptx
+++ b/msmr_labs/images/pcaefa/pcafa2.pptx
@@ -244,7 +244,7 @@
           <a:p>
             <a:fld id="{BAE089A4-FA25-44C7-AB07-248F6CEAFEAC}" type="datetimeFigureOut">
               <a:rPr lang="en-GB" smtClean="0"/>
-              <a:t>27/02/2023</a:t>
+              <a:t>28/02/2023</a:t>
             </a:fld>
             <a:endParaRPr lang="en-GB"/>
           </a:p>
@@ -414,7 +414,7 @@
           <a:p>
             <a:fld id="{BAE089A4-FA25-44C7-AB07-248F6CEAFEAC}" type="datetimeFigureOut">
               <a:rPr lang="en-GB" smtClean="0"/>
-              <a:t>27/02/2023</a:t>
+              <a:t>28/02/2023</a:t>
             </a:fld>
             <a:endParaRPr lang="en-GB"/>
           </a:p>
@@ -594,7 +594,7 @@
           <a:p>
             <a:fld id="{BAE089A4-FA25-44C7-AB07-248F6CEAFEAC}" type="datetimeFigureOut">
               <a:rPr lang="en-GB" smtClean="0"/>
-              <a:t>27/02/2023</a:t>
+              <a:t>28/02/2023</a:t>
             </a:fld>
             <a:endParaRPr lang="en-GB"/>
           </a:p>
@@ -764,7 +764,7 @@
           <a:p>
             <a:fld id="{BAE089A4-FA25-44C7-AB07-248F6CEAFEAC}" type="datetimeFigureOut">
               <a:rPr lang="en-GB" smtClean="0"/>
-              <a:t>27/02/2023</a:t>
+              <a:t>28/02/2023</a:t>
             </a:fld>
             <a:endParaRPr lang="en-GB"/>
           </a:p>
@@ -1010,7 +1010,7 @@
           <a:p>
             <a:fld id="{BAE089A4-FA25-44C7-AB07-248F6CEAFEAC}" type="datetimeFigureOut">
               <a:rPr lang="en-GB" smtClean="0"/>
-              <a:t>27/02/2023</a:t>
+              <a:t>28/02/2023</a:t>
             </a:fld>
             <a:endParaRPr lang="en-GB"/>
           </a:p>
@@ -1242,7 +1242,7 @@
           <a:p>
             <a:fld id="{BAE089A4-FA25-44C7-AB07-248F6CEAFEAC}" type="datetimeFigureOut">
               <a:rPr lang="en-GB" smtClean="0"/>
-              <a:t>27/02/2023</a:t>
+              <a:t>28/02/2023</a:t>
             </a:fld>
             <a:endParaRPr lang="en-GB"/>
           </a:p>
@@ -1609,7 +1609,7 @@
           <a:p>
             <a:fld id="{BAE089A4-FA25-44C7-AB07-248F6CEAFEAC}" type="datetimeFigureOut">
               <a:rPr lang="en-GB" smtClean="0"/>
-              <a:t>27/02/2023</a:t>
+              <a:t>28/02/2023</a:t>
             </a:fld>
             <a:endParaRPr lang="en-GB"/>
           </a:p>
@@ -1727,7 +1727,7 @@
           <a:p>
             <a:fld id="{BAE089A4-FA25-44C7-AB07-248F6CEAFEAC}" type="datetimeFigureOut">
               <a:rPr lang="en-GB" smtClean="0"/>
-              <a:t>27/02/2023</a:t>
+              <a:t>28/02/2023</a:t>
             </a:fld>
             <a:endParaRPr lang="en-GB"/>
           </a:p>
@@ -1822,7 +1822,7 @@
           <a:p>
             <a:fld id="{BAE089A4-FA25-44C7-AB07-248F6CEAFEAC}" type="datetimeFigureOut">
               <a:rPr lang="en-GB" smtClean="0"/>
-              <a:t>27/02/2023</a:t>
+              <a:t>28/02/2023</a:t>
             </a:fld>
             <a:endParaRPr lang="en-GB"/>
           </a:p>
@@ -2099,7 +2099,7 @@
           <a:p>
             <a:fld id="{BAE089A4-FA25-44C7-AB07-248F6CEAFEAC}" type="datetimeFigureOut">
               <a:rPr lang="en-GB" smtClean="0"/>
-              <a:t>27/02/2023</a:t>
+              <a:t>28/02/2023</a:t>
             </a:fld>
             <a:endParaRPr lang="en-GB"/>
           </a:p>
@@ -2352,7 +2352,7 @@
           <a:p>
             <a:fld id="{BAE089A4-FA25-44C7-AB07-248F6CEAFEAC}" type="datetimeFigureOut">
               <a:rPr lang="en-GB" smtClean="0"/>
-              <a:t>27/02/2023</a:t>
+              <a:t>28/02/2023</a:t>
             </a:fld>
             <a:endParaRPr lang="en-GB"/>
           </a:p>
@@ -2565,7 +2565,7 @@
           <a:p>
             <a:fld id="{BAE089A4-FA25-44C7-AB07-248F6CEAFEAC}" type="datetimeFigureOut">
               <a:rPr lang="en-GB" smtClean="0"/>
-              <a:t>27/02/2023</a:t>
+              <a:t>28/02/2023</a:t>
             </a:fld>
             <a:endParaRPr lang="en-GB"/>
           </a:p>
@@ -8863,8 +8863,8 @@
             </a:p>
           </p:txBody>
         </p:sp>
-        <mc:AlternateContent xmlns:mc="http://schemas.openxmlformats.org/markup-compatibility/2006">
-          <mc:Choice xmlns:a14="http://schemas.microsoft.com/office/drawing/2010/main" Requires="a14">
+        <mc:AlternateContent xmlns:mc="http://schemas.openxmlformats.org/markup-compatibility/2006" xmlns:a14="http://schemas.microsoft.com/office/drawing/2010/main">
+          <mc:Choice Requires="a14">
             <p:sp>
               <p:nvSpPr>
                 <p:cNvPr id="116" name="TextBox 115"/>
@@ -9821,7 +9821,7 @@
               </p:txBody>
             </p:sp>
           </mc:Choice>
-          <mc:Fallback>
+          <mc:Fallback xmlns="">
             <p:sp>
               <p:nvSpPr>
                 <p:cNvPr id="116" name="TextBox 115"/>
@@ -11448,8 +11448,8 @@
           </a:p>
         </p:txBody>
       </p:sp>
-      <mc:AlternateContent xmlns:mc="http://schemas.openxmlformats.org/markup-compatibility/2006">
-        <mc:Choice xmlns:a14="http://schemas.microsoft.com/office/drawing/2010/main" Requires="a14">
+      <mc:AlternateContent xmlns:mc="http://schemas.openxmlformats.org/markup-compatibility/2006" xmlns:a14="http://schemas.microsoft.com/office/drawing/2010/main">
+        <mc:Choice Requires="a14">
           <p:sp>
             <p:nvSpPr>
               <p:cNvPr id="141" name="TextBox 140"/>
@@ -11998,7 +11998,7 @@
             </p:txBody>
           </p:sp>
         </mc:Choice>
-        <mc:Fallback>
+        <mc:Fallback xmlns="">
           <p:sp>
             <p:nvSpPr>
               <p:cNvPr id="141" name="TextBox 140"/>

--- a/msmr_labs/images/pcaefa/pcafa2.pptx
+++ b/msmr_labs/images/pcaefa/pcafa2.pptx
@@ -244,7 +244,7 @@
           <a:p>
             <a:fld id="{BAE089A4-FA25-44C7-AB07-248F6CEAFEAC}" type="datetimeFigureOut">
               <a:rPr lang="en-GB" smtClean="0"/>
-              <a:t>28/02/2023</a:t>
+              <a:t>03/03/2023</a:t>
             </a:fld>
             <a:endParaRPr lang="en-GB"/>
           </a:p>
@@ -414,7 +414,7 @@
           <a:p>
             <a:fld id="{BAE089A4-FA25-44C7-AB07-248F6CEAFEAC}" type="datetimeFigureOut">
               <a:rPr lang="en-GB" smtClean="0"/>
-              <a:t>28/02/2023</a:t>
+              <a:t>03/03/2023</a:t>
             </a:fld>
             <a:endParaRPr lang="en-GB"/>
           </a:p>
@@ -594,7 +594,7 @@
           <a:p>
             <a:fld id="{BAE089A4-FA25-44C7-AB07-248F6CEAFEAC}" type="datetimeFigureOut">
               <a:rPr lang="en-GB" smtClean="0"/>
-              <a:t>28/02/2023</a:t>
+              <a:t>03/03/2023</a:t>
             </a:fld>
             <a:endParaRPr lang="en-GB"/>
           </a:p>
@@ -764,7 +764,7 @@
           <a:p>
             <a:fld id="{BAE089A4-FA25-44C7-AB07-248F6CEAFEAC}" type="datetimeFigureOut">
               <a:rPr lang="en-GB" smtClean="0"/>
-              <a:t>28/02/2023</a:t>
+              <a:t>03/03/2023</a:t>
             </a:fld>
             <a:endParaRPr lang="en-GB"/>
           </a:p>
@@ -1010,7 +1010,7 @@
           <a:p>
             <a:fld id="{BAE089A4-FA25-44C7-AB07-248F6CEAFEAC}" type="datetimeFigureOut">
               <a:rPr lang="en-GB" smtClean="0"/>
-              <a:t>28/02/2023</a:t>
+              <a:t>03/03/2023</a:t>
             </a:fld>
             <a:endParaRPr lang="en-GB"/>
           </a:p>
@@ -1242,7 +1242,7 @@
           <a:p>
             <a:fld id="{BAE089A4-FA25-44C7-AB07-248F6CEAFEAC}" type="datetimeFigureOut">
               <a:rPr lang="en-GB" smtClean="0"/>
-              <a:t>28/02/2023</a:t>
+              <a:t>03/03/2023</a:t>
             </a:fld>
             <a:endParaRPr lang="en-GB"/>
           </a:p>
@@ -1609,7 +1609,7 @@
           <a:p>
             <a:fld id="{BAE089A4-FA25-44C7-AB07-248F6CEAFEAC}" type="datetimeFigureOut">
               <a:rPr lang="en-GB" smtClean="0"/>
-              <a:t>28/02/2023</a:t>
+              <a:t>03/03/2023</a:t>
             </a:fld>
             <a:endParaRPr lang="en-GB"/>
           </a:p>
@@ -1727,7 +1727,7 @@
           <a:p>
             <a:fld id="{BAE089A4-FA25-44C7-AB07-248F6CEAFEAC}" type="datetimeFigureOut">
               <a:rPr lang="en-GB" smtClean="0"/>
-              <a:t>28/02/2023</a:t>
+              <a:t>03/03/2023</a:t>
             </a:fld>
             <a:endParaRPr lang="en-GB"/>
           </a:p>
@@ -1822,7 +1822,7 @@
           <a:p>
             <a:fld id="{BAE089A4-FA25-44C7-AB07-248F6CEAFEAC}" type="datetimeFigureOut">
               <a:rPr lang="en-GB" smtClean="0"/>
-              <a:t>28/02/2023</a:t>
+              <a:t>03/03/2023</a:t>
             </a:fld>
             <a:endParaRPr lang="en-GB"/>
           </a:p>
@@ -2099,7 +2099,7 @@
           <a:p>
             <a:fld id="{BAE089A4-FA25-44C7-AB07-248F6CEAFEAC}" type="datetimeFigureOut">
               <a:rPr lang="en-GB" smtClean="0"/>
-              <a:t>28/02/2023</a:t>
+              <a:t>03/03/2023</a:t>
             </a:fld>
             <a:endParaRPr lang="en-GB"/>
           </a:p>
@@ -2352,7 +2352,7 @@
           <a:p>
             <a:fld id="{BAE089A4-FA25-44C7-AB07-248F6CEAFEAC}" type="datetimeFigureOut">
               <a:rPr lang="en-GB" smtClean="0"/>
-              <a:t>28/02/2023</a:t>
+              <a:t>03/03/2023</a:t>
             </a:fld>
             <a:endParaRPr lang="en-GB"/>
           </a:p>
@@ -2565,7 +2565,7 @@
           <a:p>
             <a:fld id="{BAE089A4-FA25-44C7-AB07-248F6CEAFEAC}" type="datetimeFigureOut">
               <a:rPr lang="en-GB" smtClean="0"/>
-              <a:t>28/02/2023</a:t>
+              <a:t>03/03/2023</a:t>
             </a:fld>
             <a:endParaRPr lang="en-GB"/>
           </a:p>
